--- a/ASP.NET Core Template.pptx
+++ b/ASP.NET Core Template.pptx
@@ -139,6 +139,10 @@
     </p:ext>
   </p:extLst>
 </p:presentation>
+</file>
+
+<file path=ppt/revisionInfo.xml><?xml version="1.0" encoding="utf-8"?>
+<p1510:revInfo xmlns:a="http://schemas.openxmlformats.org/drawingml/2006/main" xmlns:r="http://schemas.openxmlformats.org/officeDocument/2006/relationships" xmlns:p1510="http://schemas.microsoft.com/office/powerpoint/2015/10/main"/>
 </file>
 
 <file path=ppt/diagrams/colors1.xml><?xml version="1.0" encoding="utf-8"?>
@@ -3416,7 +3420,7 @@
           <a:p>
             <a:fld id="{1F02952A-5A15-1543-A89E-A6E142AB7825}" type="datetimeFigureOut">
               <a:rPr lang="en-US" smtClean="0"/>
-              <a:t>6/22/2017</a:t>
+              <a:t>6/28/2017</a:t>
             </a:fld>
             <a:endParaRPr lang="en-US"/>
           </a:p>
@@ -3895,7 +3899,7 @@
                 <a:tabLst/>
                 <a:defRPr/>
               </a:pPr>
-              <a:t>6/22/2017</a:t>
+              <a:t>6/28/2017</a:t>
             </a:fld>
             <a:endParaRPr kumimoji="0" lang="en-US" sz="1200" b="0" i="0" u="none" strike="noStrike" kern="1200" cap="none" spc="0" normalizeH="0" baseline="0" noProof="0" dirty="0">
               <a:ln>
@@ -4182,7 +4186,7 @@
           <a:p>
             <a:fld id="{0B7D0B03-2B96-44BF-8EB4-FB3E0C96AF75}" type="datetime1">
               <a:rPr lang="en-US" smtClean="0"/>
-              <a:t>6/22/2017</a:t>
+              <a:t>6/28/2017</a:t>
             </a:fld>
             <a:endParaRPr lang="en-US"/>
           </a:p>
@@ -4326,7 +4330,7 @@
                 </a:solidFill>
               </a:rPr>
               <a:pPr/>
-              <a:t>6/22/2017 15:21</a:t>
+              <a:t>6/28/2017 19:47</a:t>
             </a:fld>
             <a:endParaRPr lang="en-US" dirty="0">
               <a:solidFill>
@@ -4512,7 +4516,7 @@
                 </a:solidFill>
               </a:rPr>
               <a:pPr/>
-              <a:t>6/22/2017 15:21</a:t>
+              <a:t>6/28/2017 19:47</a:t>
             </a:fld>
             <a:endParaRPr lang="en-US" dirty="0">
               <a:solidFill>
@@ -4777,7 +4781,7 @@
           <a:p>
             <a:fld id="{90EC29EE-A8AD-4CE0-9C0B-116E0D4D7533}" type="datetime8">
               <a:rPr lang="en-US" smtClean="0"/>
-              <a:t>6/22/2017 15:21</a:t>
+              <a:t>6/28/2017 19:47</a:t>
             </a:fld>
             <a:endParaRPr lang="en-US" dirty="0"/>
           </a:p>
@@ -4966,7 +4970,7 @@
           <a:p>
             <a:fld id="{38EEC551-8CDA-4EB6-89BB-2A86C9F091C8}" type="datetime8">
               <a:rPr lang="en-US" smtClean="0"/>
-              <a:t>6/22/2017 15:21</a:t>
+              <a:t>6/28/2017 19:47</a:t>
             </a:fld>
             <a:endParaRPr lang="en-US" dirty="0"/>
           </a:p>
@@ -5169,7 +5173,7 @@
           <a:p>
             <a:fld id="{3B73FC11-0A8E-46E6-99B5-FEEF3BC64EDA}" type="datetime1">
               <a:rPr lang="en-US" smtClean="0"/>
-              <a:t>6/22/2017</a:t>
+              <a:t>6/28/2017</a:t>
             </a:fld>
             <a:endParaRPr lang="en-US"/>
           </a:p>
@@ -5371,7 +5375,7 @@
           <a:p>
             <a:fld id="{6D391309-B5C6-4642-BA4C-1F106F0087CC}" type="datetime1">
               <a:rPr lang="en-US" smtClean="0"/>
-              <a:t>6/22/2017</a:t>
+              <a:t>6/28/2017</a:t>
             </a:fld>
             <a:endParaRPr lang="en-US"/>
           </a:p>
@@ -5624,7 +5628,7 @@
                 <a:tabLst/>
                 <a:defRPr/>
               </a:pPr>
-              <a:t>6/22/2017</a:t>
+              <a:t>6/28/2017</a:t>
             </a:fld>
             <a:endParaRPr kumimoji="0" lang="en-US" sz="1200" b="0" i="0" u="none" strike="noStrike" kern="1200" cap="none" spc="0" normalizeH="0" baseline="0" noProof="0" dirty="0">
               <a:ln>
@@ -6263,7 +6267,7 @@
                 <a:tabLst/>
                 <a:defRPr/>
               </a:pPr>
-              <a:t>6/22/2017</a:t>
+              <a:t>6/28/2017</a:t>
             </a:fld>
             <a:endParaRPr kumimoji="0" lang="en-US" sz="1200" b="0" i="0" u="none" strike="noStrike" kern="1200" cap="none" spc="0" normalizeH="0" baseline="0" noProof="0" dirty="0">
               <a:ln>
@@ -6538,7 +6542,7 @@
           <a:p>
             <a:fld id="{3D95AEB8-CEAF-42E1-88AE-9566B899EFF9}" type="datetime1">
               <a:rPr lang="en-US" smtClean="0"/>
-              <a:t>6/22/2017</a:t>
+              <a:t>6/28/2017</a:t>
             </a:fld>
             <a:endParaRPr lang="en-US"/>
           </a:p>
@@ -6680,7 +6684,7 @@
                 </a:solidFill>
               </a:rPr>
               <a:pPr/>
-              <a:t>6/22/2017 15:21</a:t>
+              <a:t>6/28/2017 19:47</a:t>
             </a:fld>
             <a:endParaRPr lang="en-US">
               <a:solidFill>
@@ -7901,7 +7905,7 @@
           <a:p>
             <a:fld id="{4DCB1ED5-F2D2-4179-99A3-848D5A07F314}" type="datetime1">
               <a:rPr lang="en-US" smtClean="0"/>
-              <a:t>6/22/2017</a:t>
+              <a:t>6/28/2017</a:t>
             </a:fld>
             <a:endParaRPr lang="en-US"/>
           </a:p>
@@ -8230,7 +8234,7 @@
                 <a:tabLst/>
                 <a:defRPr/>
               </a:pPr>
-              <a:t>6/22/2017</a:t>
+              <a:t>6/28/2017</a:t>
             </a:fld>
             <a:endParaRPr kumimoji="0" lang="en-US" sz="1200" b="0" i="0" u="none" strike="noStrike" kern="1200" cap="none" spc="0" normalizeH="0" baseline="0" noProof="0">
               <a:ln>
@@ -11186,7 +11190,7 @@
           <a:p>
             <a:fld id="{C764DE79-268F-4C1A-8933-263129D2AF90}" type="datetimeFigureOut">
               <a:rPr lang="en-US" dirty="0"/>
-              <a:t>6/22/2017</a:t>
+              <a:t>6/28/2017</a:t>
             </a:fld>
             <a:endParaRPr lang="en-US" dirty="0"/>
           </a:p>
@@ -12958,7 +12962,7 @@
 </file>
 
 <file path=ppt/slides/slide15.xml><?xml version="1.0" encoding="utf-8"?>
-<p:sld xmlns:a="http://schemas.openxmlformats.org/drawingml/2006/main" xmlns:r="http://schemas.openxmlformats.org/officeDocument/2006/relationships" xmlns:p="http://schemas.openxmlformats.org/presentationml/2006/main">
+<p:sld xmlns:a="http://schemas.openxmlformats.org/drawingml/2006/main" xmlns:r="http://schemas.openxmlformats.org/officeDocument/2006/relationships" xmlns:p="http://schemas.openxmlformats.org/presentationml/2006/main" show="0">
   <p:cSld>
     <p:spTree>
       <p:nvGrpSpPr>
@@ -18647,7 +18651,7 @@
 </file>
 
 <file path=ppt/slides/slide21.xml><?xml version="1.0" encoding="utf-8"?>
-<p:sld xmlns:a="http://schemas.openxmlformats.org/drawingml/2006/main" xmlns:r="http://schemas.openxmlformats.org/officeDocument/2006/relationships" xmlns:p="http://schemas.openxmlformats.org/presentationml/2006/main">
+<p:sld xmlns:a="http://schemas.openxmlformats.org/drawingml/2006/main" xmlns:r="http://schemas.openxmlformats.org/officeDocument/2006/relationships" xmlns:p="http://schemas.openxmlformats.org/presentationml/2006/main" show="0">
   <p:cSld>
     <p:spTree>
       <p:nvGrpSpPr>
@@ -26986,7 +26990,7 @@
 </file>
 
 <file path=ppt/slides/slide6.xml><?xml version="1.0" encoding="utf-8"?>
-<p:sld xmlns:a="http://schemas.openxmlformats.org/drawingml/2006/main" xmlns:r="http://schemas.openxmlformats.org/officeDocument/2006/relationships" xmlns:p="http://schemas.openxmlformats.org/presentationml/2006/main">
+<p:sld xmlns:a="http://schemas.openxmlformats.org/drawingml/2006/main" xmlns:r="http://schemas.openxmlformats.org/officeDocument/2006/relationships" xmlns:p="http://schemas.openxmlformats.org/presentationml/2006/main" show="0">
   <p:cSld>
     <p:spTree>
       <p:nvGrpSpPr>
@@ -29197,7 +29201,7 @@
 </file>
 
 <file path=ppt/slides/slide8.xml><?xml version="1.0" encoding="utf-8"?>
-<p:sld xmlns:a="http://schemas.openxmlformats.org/drawingml/2006/main" xmlns:r="http://schemas.openxmlformats.org/officeDocument/2006/relationships" xmlns:p="http://schemas.openxmlformats.org/presentationml/2006/main">
+<p:sld xmlns:a="http://schemas.openxmlformats.org/drawingml/2006/main" xmlns:r="http://schemas.openxmlformats.org/officeDocument/2006/relationships" xmlns:p="http://schemas.openxmlformats.org/presentationml/2006/main" show="0">
   <p:cSld>
     <p:spTree>
       <p:nvGrpSpPr>
